--- a/The Hunt.pptx
+++ b/The Hunt.pptx
@@ -114,6 +114,11 @@
       </a:defRPr>
     </a:lvl9pPr>
   </p:defaultTextStyle>
+  <p:extLst>
+    <p:ext uri="{EFAFB233-063F-42B5-8137-9DF3F51BA10A}">
+      <p15:sldGuideLst xmlns:p15="http://schemas.microsoft.com/office/powerpoint/2012/main"/>
+    </p:ext>
+  </p:extLst>
 </p:presentation>
 </file>
 
@@ -343,7 +348,7 @@
           <a:p>
             <a:fld id="{48A87A34-81AB-432B-8DAE-1953F412C126}" type="datetimeFigureOut">
               <a:rPr lang="en-US" smtClean="0"/>
-              <a:t>4/18/2021</a:t>
+              <a:t>4/20/2021</a:t>
             </a:fld>
             <a:endParaRPr lang="en-US" dirty="0"/>
           </a:p>
@@ -551,7 +556,7 @@
           <a:p>
             <a:fld id="{48A87A34-81AB-432B-8DAE-1953F412C126}" type="datetimeFigureOut">
               <a:rPr lang="en-US" smtClean="0"/>
-              <a:t>4/18/2021</a:t>
+              <a:t>4/20/2021</a:t>
             </a:fld>
             <a:endParaRPr lang="en-US" dirty="0"/>
           </a:p>
@@ -807,7 +812,7 @@
           <a:p>
             <a:fld id="{48A87A34-81AB-432B-8DAE-1953F412C126}" type="datetimeFigureOut">
               <a:rPr lang="en-US" smtClean="0"/>
-              <a:t>4/18/2021</a:t>
+              <a:t>4/20/2021</a:t>
             </a:fld>
             <a:endParaRPr lang="en-US" dirty="0"/>
           </a:p>
@@ -981,7 +986,7 @@
           <a:p>
             <a:fld id="{48A87A34-81AB-432B-8DAE-1953F412C126}" type="datetimeFigureOut">
               <a:rPr lang="en-US" smtClean="0"/>
-              <a:t>4/18/2021</a:t>
+              <a:t>4/20/2021</a:t>
             </a:fld>
             <a:endParaRPr lang="en-US" dirty="0"/>
           </a:p>
@@ -1324,7 +1329,7 @@
           <a:p>
             <a:fld id="{48A87A34-81AB-432B-8DAE-1953F412C126}" type="datetimeFigureOut">
               <a:rPr lang="en-US" smtClean="0"/>
-              <a:t>4/18/2021</a:t>
+              <a:t>4/20/2021</a:t>
             </a:fld>
             <a:endParaRPr lang="en-US" dirty="0"/>
           </a:p>
@@ -1599,7 +1604,7 @@
           <a:p>
             <a:fld id="{48A87A34-81AB-432B-8DAE-1953F412C126}" type="datetimeFigureOut">
               <a:rPr lang="en-US" smtClean="0"/>
-              <a:t>4/18/2021</a:t>
+              <a:t>4/20/2021</a:t>
             </a:fld>
             <a:endParaRPr lang="en-US" dirty="0"/>
           </a:p>
@@ -1978,7 +1983,7 @@
           <a:p>
             <a:fld id="{48A87A34-81AB-432B-8DAE-1953F412C126}" type="datetimeFigureOut">
               <a:rPr lang="en-US" smtClean="0"/>
-              <a:t>4/18/2021</a:t>
+              <a:t>4/20/2021</a:t>
             </a:fld>
             <a:endParaRPr lang="en-US" dirty="0"/>
           </a:p>
@@ -2096,7 +2101,7 @@
           <a:p>
             <a:fld id="{48A87A34-81AB-432B-8DAE-1953F412C126}" type="datetimeFigureOut">
               <a:rPr lang="en-US" smtClean="0"/>
-              <a:t>4/18/2021</a:t>
+              <a:t>4/20/2021</a:t>
             </a:fld>
             <a:endParaRPr lang="en-US" dirty="0"/>
           </a:p>
@@ -2267,7 +2272,7 @@
           <a:p>
             <a:fld id="{48A87A34-81AB-432B-8DAE-1953F412C126}" type="datetimeFigureOut">
               <a:rPr lang="en-US" smtClean="0"/>
-              <a:t>4/18/2021</a:t>
+              <a:t>4/20/2021</a:t>
             </a:fld>
             <a:endParaRPr lang="en-US" dirty="0"/>
           </a:p>
@@ -2621,7 +2626,7 @@
           <a:p>
             <a:fld id="{48A87A34-81AB-432B-8DAE-1953F412C126}" type="datetimeFigureOut">
               <a:rPr lang="en-US" smtClean="0"/>
-              <a:t>4/18/2021</a:t>
+              <a:t>4/20/2021</a:t>
             </a:fld>
             <a:endParaRPr lang="en-US" dirty="0"/>
           </a:p>
@@ -3003,7 +3008,7 @@
           <a:p>
             <a:fld id="{48A87A34-81AB-432B-8DAE-1953F412C126}" type="datetimeFigureOut">
               <a:rPr lang="en-US" smtClean="0"/>
-              <a:t>4/18/2021</a:t>
+              <a:t>4/20/2021</a:t>
             </a:fld>
             <a:endParaRPr lang="en-US" dirty="0"/>
           </a:p>
@@ -3291,7 +3296,7 @@
             <a:fld id="{48A87A34-81AB-432B-8DAE-1953F412C126}" type="datetimeFigureOut">
               <a:rPr lang="en-US" smtClean="0"/>
               <a:pPr/>
-              <a:t>4/18/2021</a:t>
+              <a:t>4/20/2021</a:t>
             </a:fld>
             <a:endParaRPr lang="en-US" dirty="0"/>
           </a:p>
@@ -4208,7 +4213,6 @@
               <a:rPr lang="en-US" sz="2400" b="1" dirty="0"/>
               <a:t>Naskanti</a:t>
             </a:r>
-            <a:endParaRPr lang="en-US" sz="2400" b="1" dirty="0"/>
           </a:p>
         </p:txBody>
       </p:sp>
@@ -4417,11 +4421,15 @@
             </a:pPr>
             <a:r>
               <a:rPr lang="en-US" sz="2800" dirty="0" smtClean="0"/>
-              <a:t> Tools </a:t>
-            </a:r>
-            <a:r>
-              <a:rPr lang="en-US" sz="2800" dirty="0"/>
-              <a:t>- Eclipse/NetBeans, SQL Developer</a:t>
+              <a:t> Tools - Eclipse/</a:t>
+            </a:r>
+            <a:r>
+              <a:rPr lang="en-US" sz="2800" dirty="0" err="1" smtClean="0"/>
+              <a:t>SpringToolSuite</a:t>
+            </a:r>
+            <a:r>
+              <a:rPr lang="en-US" sz="2800" dirty="0" smtClean="0"/>
+              <a:t>, MySQL Workbench</a:t>
             </a:r>
           </a:p>
           <a:p>
@@ -4431,7 +4439,11 @@
             </a:pPr>
             <a:r>
               <a:rPr lang="en-US" sz="2800" dirty="0" smtClean="0"/>
-              <a:t> Platform </a:t>
+              <a:t> </a:t>
+            </a:r>
+            <a:r>
+              <a:rPr lang="en-US" sz="2800" dirty="0" smtClean="0"/>
+              <a:t>Platform </a:t>
             </a:r>
             <a:r>
               <a:rPr lang="en-US" sz="2800" dirty="0"/>
@@ -4876,22 +4888,28 @@
       </p:sp>
       <p:pic>
         <p:nvPicPr>
-          <p:cNvPr id="5" name="Picture 4"/>
+          <p:cNvPr id="7" name="Picture 6"/>
           <p:cNvPicPr>
             <a:picLocks noChangeAspect="1"/>
           </p:cNvPicPr>
           <p:nvPr/>
         </p:nvPicPr>
         <p:blipFill>
-          <a:blip r:embed="rId2"/>
+          <a:blip r:embed="rId2">
+            <a:extLst>
+              <a:ext uri="{28A0092B-C50C-407E-A947-70E740481C1C}">
+                <a14:useLocalDpi xmlns:a14="http://schemas.microsoft.com/office/drawing/2010/main" val="0"/>
+              </a:ext>
+            </a:extLst>
+          </a:blip>
           <a:stretch>
             <a:fillRect/>
           </a:stretch>
         </p:blipFill>
         <p:spPr>
           <a:xfrm>
-            <a:off x="129381" y="2844784"/>
-            <a:ext cx="3856038" cy="3541715"/>
+            <a:off x="457200" y="2952206"/>
+            <a:ext cx="3200400" cy="3352997"/>
           </a:xfrm>
           <a:prstGeom prst="rect">
             <a:avLst/>

--- a/The Hunt.pptx
+++ b/The Hunt.pptx
@@ -348,7 +348,7 @@
           <a:p>
             <a:fld id="{48A87A34-81AB-432B-8DAE-1953F412C126}" type="datetimeFigureOut">
               <a:rPr lang="en-US" smtClean="0"/>
-              <a:t>4/20/2021</a:t>
+              <a:t>4/22/2021</a:t>
             </a:fld>
             <a:endParaRPr lang="en-US" dirty="0"/>
           </a:p>
@@ -556,7 +556,7 @@
           <a:p>
             <a:fld id="{48A87A34-81AB-432B-8DAE-1953F412C126}" type="datetimeFigureOut">
               <a:rPr lang="en-US" smtClean="0"/>
-              <a:t>4/20/2021</a:t>
+              <a:t>4/22/2021</a:t>
             </a:fld>
             <a:endParaRPr lang="en-US" dirty="0"/>
           </a:p>
@@ -812,7 +812,7 @@
           <a:p>
             <a:fld id="{48A87A34-81AB-432B-8DAE-1953F412C126}" type="datetimeFigureOut">
               <a:rPr lang="en-US" smtClean="0"/>
-              <a:t>4/20/2021</a:t>
+              <a:t>4/22/2021</a:t>
             </a:fld>
             <a:endParaRPr lang="en-US" dirty="0"/>
           </a:p>
@@ -986,7 +986,7 @@
           <a:p>
             <a:fld id="{48A87A34-81AB-432B-8DAE-1953F412C126}" type="datetimeFigureOut">
               <a:rPr lang="en-US" smtClean="0"/>
-              <a:t>4/20/2021</a:t>
+              <a:t>4/22/2021</a:t>
             </a:fld>
             <a:endParaRPr lang="en-US" dirty="0"/>
           </a:p>
@@ -1329,7 +1329,7 @@
           <a:p>
             <a:fld id="{48A87A34-81AB-432B-8DAE-1953F412C126}" type="datetimeFigureOut">
               <a:rPr lang="en-US" smtClean="0"/>
-              <a:t>4/20/2021</a:t>
+              <a:t>4/22/2021</a:t>
             </a:fld>
             <a:endParaRPr lang="en-US" dirty="0"/>
           </a:p>
@@ -1604,7 +1604,7 @@
           <a:p>
             <a:fld id="{48A87A34-81AB-432B-8DAE-1953F412C126}" type="datetimeFigureOut">
               <a:rPr lang="en-US" smtClean="0"/>
-              <a:t>4/20/2021</a:t>
+              <a:t>4/22/2021</a:t>
             </a:fld>
             <a:endParaRPr lang="en-US" dirty="0"/>
           </a:p>
@@ -1983,7 +1983,7 @@
           <a:p>
             <a:fld id="{48A87A34-81AB-432B-8DAE-1953F412C126}" type="datetimeFigureOut">
               <a:rPr lang="en-US" smtClean="0"/>
-              <a:t>4/20/2021</a:t>
+              <a:t>4/22/2021</a:t>
             </a:fld>
             <a:endParaRPr lang="en-US" dirty="0"/>
           </a:p>
@@ -2101,7 +2101,7 @@
           <a:p>
             <a:fld id="{48A87A34-81AB-432B-8DAE-1953F412C126}" type="datetimeFigureOut">
               <a:rPr lang="en-US" smtClean="0"/>
-              <a:t>4/20/2021</a:t>
+              <a:t>4/22/2021</a:t>
             </a:fld>
             <a:endParaRPr lang="en-US" dirty="0"/>
           </a:p>
@@ -2272,7 +2272,7 @@
           <a:p>
             <a:fld id="{48A87A34-81AB-432B-8DAE-1953F412C126}" type="datetimeFigureOut">
               <a:rPr lang="en-US" smtClean="0"/>
-              <a:t>4/20/2021</a:t>
+              <a:t>4/22/2021</a:t>
             </a:fld>
             <a:endParaRPr lang="en-US" dirty="0"/>
           </a:p>
@@ -2626,7 +2626,7 @@
           <a:p>
             <a:fld id="{48A87A34-81AB-432B-8DAE-1953F412C126}" type="datetimeFigureOut">
               <a:rPr lang="en-US" smtClean="0"/>
-              <a:t>4/20/2021</a:t>
+              <a:t>4/22/2021</a:t>
             </a:fld>
             <a:endParaRPr lang="en-US" dirty="0"/>
           </a:p>
@@ -3008,7 +3008,7 @@
           <a:p>
             <a:fld id="{48A87A34-81AB-432B-8DAE-1953F412C126}" type="datetimeFigureOut">
               <a:rPr lang="en-US" smtClean="0"/>
-              <a:t>4/20/2021</a:t>
+              <a:t>4/22/2021</a:t>
             </a:fld>
             <a:endParaRPr lang="en-US" dirty="0"/>
           </a:p>
@@ -3296,7 +3296,7 @@
             <a:fld id="{48A87A34-81AB-432B-8DAE-1953F412C126}" type="datetimeFigureOut">
               <a:rPr lang="en-US" smtClean="0"/>
               <a:pPr/>
-              <a:t>4/20/2021</a:t>
+              <a:t>4/22/2021</a:t>
             </a:fld>
             <a:endParaRPr lang="en-US" dirty="0"/>
           </a:p>
@@ -4184,8 +4184,8 @@
         </p:nvSpPr>
         <p:spPr>
           <a:xfrm>
-            <a:off x="1638846" y="5697975"/>
-            <a:ext cx="8579212" cy="461665"/>
+            <a:off x="313509" y="5697975"/>
+            <a:ext cx="11769634" cy="461665"/>
           </a:xfrm>
           <a:prstGeom prst="rect">
             <a:avLst/>
@@ -4199,7 +4199,15 @@
           <a:p>
             <a:r>
               <a:rPr lang="en-US" sz="2400" b="1" dirty="0" smtClean="0"/>
-              <a:t>Yeshwanth Damera</a:t>
+              <a:t>                   Venkatay</a:t>
+            </a:r>
+            <a:r>
+              <a:rPr lang="en-US" sz="2400" b="1" dirty="0" smtClean="0"/>
+              <a:t>ashwanth </a:t>
+            </a:r>
+            <a:r>
+              <a:rPr lang="en-US" sz="2400" b="1" dirty="0" smtClean="0"/>
+              <a:t>Damera</a:t>
             </a:r>
             <a:r>
               <a:rPr lang="en-US" sz="2400" b="1" dirty="0"/>
@@ -4207,7 +4215,23 @@
             </a:r>
             <a:r>
               <a:rPr lang="en-US" sz="2400" b="1" dirty="0" smtClean="0"/>
-              <a:t>				Pruthvi </a:t>
+              <a:t>		</a:t>
+            </a:r>
+            <a:r>
+              <a:rPr lang="en-US" sz="2400" b="1" dirty="0"/>
+              <a:t> </a:t>
+            </a:r>
+            <a:r>
+              <a:rPr lang="en-US" sz="2400" b="1" dirty="0" smtClean="0"/>
+              <a:t>  </a:t>
+            </a:r>
+            <a:r>
+              <a:rPr lang="en-US" sz="2400" b="1" dirty="0" err="1" smtClean="0"/>
+              <a:t>Pruthvi</a:t>
+            </a:r>
+            <a:r>
+              <a:rPr lang="en-US" sz="2400" b="1" dirty="0" smtClean="0"/>
+              <a:t> </a:t>
             </a:r>
             <a:r>
               <a:rPr lang="en-US" sz="2400" b="1" dirty="0"/>
@@ -4439,11 +4463,7 @@
             </a:pPr>
             <a:r>
               <a:rPr lang="en-US" sz="2800" dirty="0" smtClean="0"/>
-              <a:t> </a:t>
-            </a:r>
-            <a:r>
-              <a:rPr lang="en-US" sz="2800" dirty="0" smtClean="0"/>
-              <a:t>Platform </a:t>
+              <a:t> Platform </a:t>
             </a:r>
             <a:r>
               <a:rPr lang="en-US" sz="2800" dirty="0"/>
